--- a/Dynamic Webpages.pptx
+++ b/Dynamic Webpages.pptx
@@ -14,7 +14,10 @@
     <p:sldId id="263" r:id="rId8"/>
     <p:sldId id="264" r:id="rId9"/>
     <p:sldId id="265" r:id="rId10"/>
-    <p:sldId id="260" r:id="rId11"/>
+    <p:sldId id="266" r:id="rId11"/>
+    <p:sldId id="267" r:id="rId12"/>
+    <p:sldId id="268" r:id="rId13"/>
+    <p:sldId id="260" r:id="rId14"/>
   </p:sldIdLst>
   <p:sldSz cx="12192000" cy="6858000"/>
   <p:notesSz cx="6858000" cy="9144000"/>
@@ -113,6 +116,11 @@
       </a:defRPr>
     </a:lvl9pPr>
   </p:defaultTextStyle>
+  <p:extLst>
+    <p:ext uri="{EFAFB233-063F-42B5-8137-9DF3F51BA10A}">
+      <p15:sldGuideLst xmlns:p15="http://schemas.microsoft.com/office/powerpoint/2012/main"/>
+    </p:ext>
+  </p:extLst>
 </p:presentation>
 </file>
 
@@ -12670,7 +12678,7 @@
           <a:p>
             <a:fld id="{C128FA71-3A18-48C0-980F-4B68F7F63042}" type="datetime1">
               <a:rPr lang="en-US" smtClean="0"/>
-              <a:t>4/14/2025</a:t>
+              <a:t>4/15/2025</a:t>
             </a:fld>
             <a:endParaRPr lang="en-US"/>
           </a:p>
@@ -12878,7 +12886,7 @@
           <a:p>
             <a:fld id="{7104EDB3-C0E8-45F8-9E1D-1B6C8D1880C0}" type="datetime1">
               <a:rPr lang="en-US" smtClean="0"/>
-              <a:t>4/14/2025</a:t>
+              <a:t>4/15/2025</a:t>
             </a:fld>
             <a:endParaRPr lang="en-US"/>
           </a:p>
@@ -13088,7 +13096,7 @@
           <a:p>
             <a:fld id="{9CF0EC4B-54ED-4041-B552-9BA760FA3DBA}" type="datetime1">
               <a:rPr lang="en-US" smtClean="0"/>
-              <a:t>4/14/2025</a:t>
+              <a:t>4/15/2025</a:t>
             </a:fld>
             <a:endParaRPr lang="en-US"/>
           </a:p>
@@ -13286,7 +13294,7 @@
           <a:p>
             <a:fld id="{51C1210E-201E-4473-82AC-2466F5386C38}" type="datetime1">
               <a:rPr lang="en-US" smtClean="0"/>
-              <a:t>4/14/2025</a:t>
+              <a:t>4/15/2025</a:t>
             </a:fld>
             <a:endParaRPr lang="en-US"/>
           </a:p>
@@ -13564,7 +13572,7 @@
           <a:p>
             <a:fld id="{B01EA198-6CAB-4B8F-B93F-1F9C8C4B6CE7}" type="datetime1">
               <a:rPr lang="en-US" smtClean="0"/>
-              <a:t>4/14/2025</a:t>
+              <a:t>4/15/2025</a:t>
             </a:fld>
             <a:endParaRPr lang="en-US"/>
           </a:p>
@@ -13836,7 +13844,7 @@
           <a:p>
             <a:fld id="{CA06041F-4525-44D5-AA4F-332294BF1F56}" type="datetime1">
               <a:rPr lang="en-US" smtClean="0"/>
-              <a:t>4/14/2025</a:t>
+              <a:t>4/15/2025</a:t>
             </a:fld>
             <a:endParaRPr lang="en-US"/>
           </a:p>
@@ -14260,7 +14268,7 @@
           <a:p>
             <a:fld id="{F9557091-BBDF-4EB9-BA6B-2BB67AC4FC0F}" type="datetime1">
               <a:rPr lang="en-US" smtClean="0"/>
-              <a:t>4/14/2025</a:t>
+              <a:t>4/15/2025</a:t>
             </a:fld>
             <a:endParaRPr lang="en-US"/>
           </a:p>
@@ -14401,7 +14409,7 @@
           <a:p>
             <a:fld id="{2D6B226B-77A6-410C-9796-083F278E0125}" type="datetime1">
               <a:rPr lang="en-US" smtClean="0"/>
-              <a:t>4/14/2025</a:t>
+              <a:t>4/15/2025</a:t>
             </a:fld>
             <a:endParaRPr lang="en-US"/>
           </a:p>
@@ -14514,7 +14522,7 @@
           <a:p>
             <a:fld id="{A23A578B-D289-4C40-8593-3D356C49DA58}" type="datetime1">
               <a:rPr lang="en-US" smtClean="0"/>
-              <a:t>4/14/2025</a:t>
+              <a:t>4/15/2025</a:t>
             </a:fld>
             <a:endParaRPr lang="en-US"/>
           </a:p>
@@ -14833,7 +14841,7 @@
           <a:p>
             <a:fld id="{713DFAE3-14DB-48A7-A80F-80DDB072CE3D}" type="datetime1">
               <a:rPr lang="en-US" smtClean="0"/>
-              <a:t>4/14/2025</a:t>
+              <a:t>4/15/2025</a:t>
             </a:fld>
             <a:endParaRPr lang="en-US"/>
           </a:p>
@@ -15127,7 +15135,7 @@
           <a:p>
             <a:fld id="{92C5EAEF-6478-4102-8F5D-A5FE9FC97ACB}" type="datetime1">
               <a:rPr lang="en-US" smtClean="0"/>
-              <a:t>4/14/2025</a:t>
+              <a:t>4/15/2025</a:t>
             </a:fld>
             <a:endParaRPr lang="en-US"/>
           </a:p>
@@ -15368,7 +15376,7 @@
           <a:p>
             <a:fld id="{67F45AC6-C491-4585-A584-9CE2AF7D5500}" type="datetime1">
               <a:rPr lang="en-US" smtClean="0"/>
-              <a:t>4/14/2025</a:t>
+              <a:t>4/15/2025</a:t>
             </a:fld>
             <a:endParaRPr lang="en-US"/>
           </a:p>
@@ -16025,6 +16033,891 @@
 </file>
 
 <file path=ppt/slides/slide10.xml><?xml version="1.0" encoding="utf-8"?>
+<p:sld xmlns:a="http://schemas.openxmlformats.org/drawingml/2006/main" xmlns:r="http://schemas.openxmlformats.org/officeDocument/2006/relationships" xmlns:p="http://schemas.openxmlformats.org/presentationml/2006/main">
+  <p:cSld>
+    <p:bg>
+      <p:bgPr>
+        <a:solidFill>
+          <a:schemeClr val="bg1"/>
+        </a:solidFill>
+        <a:effectLst/>
+      </p:bgPr>
+    </p:bg>
+    <p:spTree>
+      <p:nvGrpSpPr>
+        <p:cNvPr id="1" name=""/>
+        <p:cNvGrpSpPr/>
+        <p:nvPr/>
+      </p:nvGrpSpPr>
+      <p:grpSpPr>
+        <a:xfrm>
+          <a:off x="0" y="0"/>
+          <a:ext cx="0" cy="0"/>
+          <a:chOff x="0" y="0"/>
+          <a:chExt cx="0" cy="0"/>
+        </a:xfrm>
+      </p:grpSpPr>
+      <p:sp useBgFill="1">
+        <p:nvSpPr>
+          <p:cNvPr id="15" name="Rectangle 14">
+            <a:extLst>
+              <a:ext uri="{FF2B5EF4-FFF2-40B4-BE49-F238E27FC236}">
+                <a16:creationId xmlns:a16="http://schemas.microsoft.com/office/drawing/2014/main" id="{C20CE451-818C-E63D-258B-234B6C543D34}"/>
+              </a:ext>
+              <a:ext uri="{C183D7F6-B498-43B3-948B-1728B52AA6E4}">
+                <adec:decorative xmlns:adec="http://schemas.microsoft.com/office/drawing/2017/decorative" val="1"/>
+              </a:ext>
+            </a:extLst>
+          </p:cNvPr>
+          <p:cNvSpPr>
+            <a:spLocks noGrp="1" noRot="1" noChangeAspect="1" noMove="1" noResize="1" noEditPoints="1" noAdjustHandles="1" noChangeArrowheads="1" noChangeShapeType="1" noTextEdit="1"/>
+          </p:cNvSpPr>
+          <p:nvPr>
+            <p:extLst>
+              <p:ext uri="{386F3935-93C4-4BCD-93E2-E3B085C9AB24}">
+                <p16:designElem xmlns:p16="http://schemas.microsoft.com/office/powerpoint/2015/main" val="1"/>
+              </p:ext>
+            </p:extLst>
+          </p:nvPr>
+        </p:nvSpPr>
+        <p:spPr>
+          <a:xfrm>
+            <a:off x="0" y="0"/>
+            <a:ext cx="12192000" cy="6858000"/>
+          </a:xfrm>
+          <a:prstGeom prst="rect">
+            <a:avLst/>
+          </a:prstGeom>
+          <a:ln w="12700" cap="flat" cmpd="sng" algn="ctr">
+            <a:noFill/>
+            <a:prstDash val="solid"/>
+            <a:miter lim="800000"/>
+          </a:ln>
+          <a:effectLst/>
+          <a:extLst>
+            <a:ext uri="{91240B29-F687-4F45-9708-019B960494DF}">
+              <a14:hiddenLine xmlns:a14="http://schemas.microsoft.com/office/drawing/2010/main" w="12700" cap="flat" cmpd="sng" algn="ctr">
+                <a:solidFill>
+                  <a:schemeClr val="accent1">
+                    <a:shade val="15000"/>
+                  </a:schemeClr>
+                </a:solidFill>
+                <a:prstDash val="solid"/>
+                <a:miter lim="800000"/>
+              </a14:hiddenLine>
+            </a:ext>
+          </a:extLst>
+        </p:spPr>
+        <p:style>
+          <a:lnRef idx="2">
+            <a:schemeClr val="accent1">
+              <a:shade val="15000"/>
+            </a:schemeClr>
+          </a:lnRef>
+          <a:fillRef idx="1">
+            <a:schemeClr val="accent1"/>
+          </a:fillRef>
+          <a:effectRef idx="0">
+            <a:schemeClr val="accent1"/>
+          </a:effectRef>
+          <a:fontRef idx="minor">
+            <a:schemeClr val="lt1"/>
+          </a:fontRef>
+        </p:style>
+        <p:txBody>
+          <a:bodyPr rtlCol="0" anchor="ctr"/>
+          <a:lstStyle/>
+          <a:p>
+            <a:pPr algn="ctr"/>
+            <a:endParaRPr lang="en-US"/>
+          </a:p>
+        </p:txBody>
+      </p:sp>
+      <p:sp>
+        <p:nvSpPr>
+          <p:cNvPr id="2" name="Title 1">
+            <a:extLst>
+              <a:ext uri="{FF2B5EF4-FFF2-40B4-BE49-F238E27FC236}">
+                <a16:creationId xmlns:a16="http://schemas.microsoft.com/office/drawing/2014/main" id="{7F46D64D-872C-1E50-58EB-557D5C99C286}"/>
+              </a:ext>
+            </a:extLst>
+          </p:cNvPr>
+          <p:cNvSpPr>
+            <a:spLocks noGrp="1"/>
+          </p:cNvSpPr>
+          <p:nvPr>
+            <p:ph type="title"/>
+          </p:nvPr>
+        </p:nvSpPr>
+        <p:spPr>
+          <a:xfrm>
+            <a:off x="614680" y="603504"/>
+            <a:ext cx="4361688" cy="1527048"/>
+          </a:xfrm>
+        </p:spPr>
+        <p:txBody>
+          <a:bodyPr anchor="b">
+            <a:normAutofit/>
+          </a:bodyPr>
+          <a:lstStyle/>
+          <a:p>
+            <a:r>
+              <a:rPr lang="en-US" dirty="0"/>
+              <a:t>Now let’s make our website public </a:t>
+            </a:r>
+          </a:p>
+        </p:txBody>
+      </p:sp>
+      <p:sp>
+        <p:nvSpPr>
+          <p:cNvPr id="3" name="Content Placeholder 2">
+            <a:extLst>
+              <a:ext uri="{FF2B5EF4-FFF2-40B4-BE49-F238E27FC236}">
+                <a16:creationId xmlns:a16="http://schemas.microsoft.com/office/drawing/2014/main" id="{A52EE394-A348-7ECF-FD58-28FE53F89312}"/>
+              </a:ext>
+            </a:extLst>
+          </p:cNvPr>
+          <p:cNvSpPr>
+            <a:spLocks noGrp="1"/>
+          </p:cNvSpPr>
+          <p:nvPr>
+            <p:ph idx="1"/>
+          </p:nvPr>
+        </p:nvSpPr>
+        <p:spPr>
+          <a:xfrm>
+            <a:off x="614679" y="2212848"/>
+            <a:ext cx="4361688" cy="4096512"/>
+          </a:xfrm>
+        </p:spPr>
+        <p:txBody>
+          <a:bodyPr>
+            <a:normAutofit/>
+          </a:bodyPr>
+          <a:lstStyle/>
+          <a:p>
+            <a:pPr marL="0" indent="0">
+              <a:buNone/>
+            </a:pPr>
+            <a:r>
+              <a:rPr lang="en-US" sz="1800"/>
+              <a:t>We need a hosting platform; in this case, as an example, we will use Netlify</a:t>
+            </a:r>
+          </a:p>
+          <a:p>
+            <a:pPr lvl="1"/>
+            <a:r>
+              <a:rPr lang="en-US"/>
+              <a:t>Here, we just need to have our files in a single folder and drag it into the website</a:t>
+            </a:r>
+          </a:p>
+          <a:p>
+            <a:pPr lvl="1"/>
+            <a:r>
+              <a:rPr lang="en-US"/>
+              <a:t>Once it is there, Netlify will work on the rest, and that’s it!!!</a:t>
+            </a:r>
+          </a:p>
+          <a:p>
+            <a:pPr lvl="1"/>
+            <a:r>
+              <a:rPr lang="en-US"/>
+              <a:t> You can customize the name of the site, disable the site, share it with other collaborators, etc.</a:t>
+            </a:r>
+          </a:p>
+        </p:txBody>
+      </p:sp>
+      <p:pic>
+        <p:nvPicPr>
+          <p:cNvPr id="4" name="Picture 3">
+            <a:extLst>
+              <a:ext uri="{FF2B5EF4-FFF2-40B4-BE49-F238E27FC236}">
+                <a16:creationId xmlns:a16="http://schemas.microsoft.com/office/drawing/2014/main" id="{1359FC0A-F0DF-92F9-5E2F-74EA607D43B0}"/>
+              </a:ext>
+            </a:extLst>
+          </p:cNvPr>
+          <p:cNvPicPr>
+            <a:picLocks noChangeAspect="1"/>
+          </p:cNvPicPr>
+          <p:nvPr/>
+        </p:nvPicPr>
+        <p:blipFill>
+          <a:blip r:embed="rId2"/>
+          <a:srcRect l="3614" r="3452"/>
+          <a:stretch/>
+        </p:blipFill>
+        <p:spPr>
+          <a:xfrm>
+            <a:off x="5818632" y="-1"/>
+            <a:ext cx="6373368" cy="6857999"/>
+          </a:xfrm>
+          <a:prstGeom prst="rect">
+            <a:avLst/>
+          </a:prstGeom>
+        </p:spPr>
+      </p:pic>
+    </p:spTree>
+    <p:extLst>
+      <p:ext uri="{BB962C8B-B14F-4D97-AF65-F5344CB8AC3E}">
+        <p14:creationId xmlns:p14="http://schemas.microsoft.com/office/powerpoint/2010/main" val="3247852471"/>
+      </p:ext>
+    </p:extLst>
+  </p:cSld>
+  <p:clrMapOvr>
+    <a:masterClrMapping/>
+  </p:clrMapOvr>
+</p:sld>
+</file>
+
+<file path=ppt/slides/slide11.xml><?xml version="1.0" encoding="utf-8"?>
+<p:sld xmlns:a="http://schemas.openxmlformats.org/drawingml/2006/main" xmlns:r="http://schemas.openxmlformats.org/officeDocument/2006/relationships" xmlns:p="http://schemas.openxmlformats.org/presentationml/2006/main">
+  <p:cSld>
+    <p:bg>
+      <p:bgPr>
+        <a:solidFill>
+          <a:schemeClr val="bg1"/>
+        </a:solidFill>
+        <a:effectLst/>
+      </p:bgPr>
+    </p:bg>
+    <p:spTree>
+      <p:nvGrpSpPr>
+        <p:cNvPr id="1" name=""/>
+        <p:cNvGrpSpPr/>
+        <p:nvPr/>
+      </p:nvGrpSpPr>
+      <p:grpSpPr>
+        <a:xfrm>
+          <a:off x="0" y="0"/>
+          <a:ext cx="0" cy="0"/>
+          <a:chOff x="0" y="0"/>
+          <a:chExt cx="0" cy="0"/>
+        </a:xfrm>
+      </p:grpSpPr>
+      <p:sp useBgFill="1">
+        <p:nvSpPr>
+          <p:cNvPr id="9" name="Rectangle 8">
+            <a:extLst>
+              <a:ext uri="{FF2B5EF4-FFF2-40B4-BE49-F238E27FC236}">
+                <a16:creationId xmlns:a16="http://schemas.microsoft.com/office/drawing/2014/main" id="{C20CE451-818C-E63D-258B-234B6C543D34}"/>
+              </a:ext>
+              <a:ext uri="{C183D7F6-B498-43B3-948B-1728B52AA6E4}">
+                <adec:decorative xmlns:adec="http://schemas.microsoft.com/office/drawing/2017/decorative" val="1"/>
+              </a:ext>
+            </a:extLst>
+          </p:cNvPr>
+          <p:cNvSpPr>
+            <a:spLocks noGrp="1" noRot="1" noChangeAspect="1" noMove="1" noResize="1" noEditPoints="1" noAdjustHandles="1" noChangeArrowheads="1" noChangeShapeType="1" noTextEdit="1"/>
+          </p:cNvSpPr>
+          <p:nvPr>
+            <p:extLst>
+              <p:ext uri="{386F3935-93C4-4BCD-93E2-E3B085C9AB24}">
+                <p16:designElem xmlns:p16="http://schemas.microsoft.com/office/powerpoint/2015/main" val="1"/>
+              </p:ext>
+            </p:extLst>
+          </p:nvPr>
+        </p:nvSpPr>
+        <p:spPr>
+          <a:xfrm>
+            <a:off x="0" y="0"/>
+            <a:ext cx="12192000" cy="6858000"/>
+          </a:xfrm>
+          <a:prstGeom prst="rect">
+            <a:avLst/>
+          </a:prstGeom>
+          <a:ln w="12700" cap="flat" cmpd="sng" algn="ctr">
+            <a:noFill/>
+            <a:prstDash val="solid"/>
+            <a:miter lim="800000"/>
+          </a:ln>
+          <a:effectLst/>
+          <a:extLst>
+            <a:ext uri="{91240B29-F687-4F45-9708-019B960494DF}">
+              <a14:hiddenLine xmlns:a14="http://schemas.microsoft.com/office/drawing/2010/main" w="12700" cap="flat" cmpd="sng" algn="ctr">
+                <a:solidFill>
+                  <a:schemeClr val="accent1">
+                    <a:shade val="15000"/>
+                  </a:schemeClr>
+                </a:solidFill>
+                <a:prstDash val="solid"/>
+                <a:miter lim="800000"/>
+              </a14:hiddenLine>
+            </a:ext>
+          </a:extLst>
+        </p:spPr>
+        <p:style>
+          <a:lnRef idx="2">
+            <a:schemeClr val="accent1">
+              <a:shade val="15000"/>
+            </a:schemeClr>
+          </a:lnRef>
+          <a:fillRef idx="1">
+            <a:schemeClr val="accent1"/>
+          </a:fillRef>
+          <a:effectRef idx="0">
+            <a:schemeClr val="accent1"/>
+          </a:effectRef>
+          <a:fontRef idx="minor">
+            <a:schemeClr val="lt1"/>
+          </a:fontRef>
+        </p:style>
+        <p:txBody>
+          <a:bodyPr rtlCol="0" anchor="ctr"/>
+          <a:lstStyle/>
+          <a:p>
+            <a:pPr algn="ctr"/>
+            <a:endParaRPr lang="en-US"/>
+          </a:p>
+        </p:txBody>
+      </p:sp>
+      <p:sp>
+        <p:nvSpPr>
+          <p:cNvPr id="2" name="Title 1">
+            <a:extLst>
+              <a:ext uri="{FF2B5EF4-FFF2-40B4-BE49-F238E27FC236}">
+                <a16:creationId xmlns:a16="http://schemas.microsoft.com/office/drawing/2014/main" id="{4E16905F-F3BA-C6F3-E739-7572A9E82434}"/>
+              </a:ext>
+            </a:extLst>
+          </p:cNvPr>
+          <p:cNvSpPr>
+            <a:spLocks noGrp="1"/>
+          </p:cNvSpPr>
+          <p:nvPr>
+            <p:ph type="title"/>
+          </p:nvPr>
+        </p:nvSpPr>
+        <p:spPr>
+          <a:xfrm>
+            <a:off x="614679" y="137160"/>
+            <a:ext cx="4361688" cy="1107024"/>
+          </a:xfrm>
+        </p:spPr>
+        <p:txBody>
+          <a:bodyPr anchor="b">
+            <a:normAutofit/>
+          </a:bodyPr>
+          <a:lstStyle/>
+          <a:p>
+            <a:r>
+              <a:rPr lang="en-US" dirty="0"/>
+              <a:t>Now let’s use </a:t>
+            </a:r>
+            <a:r>
+              <a:rPr lang="en-US" dirty="0" err="1"/>
+              <a:t>Github</a:t>
+            </a:r>
+            <a:endParaRPr lang="en-US" dirty="0"/>
+          </a:p>
+        </p:txBody>
+      </p:sp>
+      <p:sp>
+        <p:nvSpPr>
+          <p:cNvPr id="3" name="Content Placeholder 2">
+            <a:extLst>
+              <a:ext uri="{FF2B5EF4-FFF2-40B4-BE49-F238E27FC236}">
+                <a16:creationId xmlns:a16="http://schemas.microsoft.com/office/drawing/2014/main" id="{1D34DF4F-F0C9-3436-AA84-F13A1A92A470}"/>
+              </a:ext>
+            </a:extLst>
+          </p:cNvPr>
+          <p:cNvSpPr>
+            <a:spLocks noGrp="1"/>
+          </p:cNvSpPr>
+          <p:nvPr>
+            <p:ph idx="1"/>
+          </p:nvPr>
+        </p:nvSpPr>
+        <p:spPr>
+          <a:xfrm>
+            <a:off x="164892" y="1381344"/>
+            <a:ext cx="5351488" cy="5339496"/>
+          </a:xfrm>
+        </p:spPr>
+        <p:txBody>
+          <a:bodyPr>
+            <a:normAutofit/>
+          </a:bodyPr>
+          <a:lstStyle/>
+          <a:p>
+            <a:pPr marL="0" indent="0">
+              <a:lnSpc>
+                <a:spcPct val="110000"/>
+              </a:lnSpc>
+              <a:buNone/>
+            </a:pPr>
+            <a:r>
+              <a:rPr lang="en-US" sz="1400" dirty="0"/>
+              <a:t> </a:t>
+            </a:r>
+            <a:r>
+              <a:rPr lang="en-US" sz="1400" dirty="0" err="1"/>
+              <a:t>Github</a:t>
+            </a:r>
+            <a:r>
+              <a:rPr lang="en-US" sz="1400" dirty="0"/>
+              <a:t> : </a:t>
+            </a:r>
+          </a:p>
+          <a:p>
+            <a:pPr lvl="1">
+              <a:lnSpc>
+                <a:spcPct val="110000"/>
+              </a:lnSpc>
+            </a:pPr>
+            <a:r>
+              <a:rPr lang="en-US" sz="1400" dirty="0"/>
+              <a:t>First, create a repository, make it public, and create it.</a:t>
+            </a:r>
+          </a:p>
+          <a:p>
+            <a:pPr lvl="1">
+              <a:lnSpc>
+                <a:spcPct val="110000"/>
+              </a:lnSpc>
+            </a:pPr>
+            <a:r>
+              <a:rPr lang="en-US" sz="1400" dirty="0"/>
+              <a:t>Then, upload the files using this: </a:t>
+            </a:r>
+          </a:p>
+          <a:p>
+            <a:pPr marL="228600" lvl="1" indent="0">
+              <a:lnSpc>
+                <a:spcPct val="110000"/>
+              </a:lnSpc>
+              <a:buNone/>
+            </a:pPr>
+            <a:r>
+              <a:rPr lang="en-US" sz="1400" dirty="0"/>
+              <a:t>git </a:t>
+            </a:r>
+            <a:r>
+              <a:rPr lang="en-US" sz="1400" dirty="0" err="1"/>
+              <a:t>init</a:t>
+            </a:r>
+            <a:endParaRPr lang="en-US" sz="1400" dirty="0"/>
+          </a:p>
+          <a:p>
+            <a:pPr marL="228600" lvl="1" indent="0">
+              <a:lnSpc>
+                <a:spcPct val="110000"/>
+              </a:lnSpc>
+              <a:buNone/>
+            </a:pPr>
+            <a:r>
+              <a:rPr lang="en-US" sz="1400" dirty="0"/>
+              <a:t>git add .</a:t>
+            </a:r>
+          </a:p>
+          <a:p>
+            <a:pPr marL="228600" lvl="1" indent="0">
+              <a:lnSpc>
+                <a:spcPct val="110000"/>
+              </a:lnSpc>
+              <a:buNone/>
+            </a:pPr>
+            <a:r>
+              <a:rPr lang="en-US" sz="1400" dirty="0"/>
+              <a:t>git commit -m "Initial commit"</a:t>
+            </a:r>
+          </a:p>
+          <a:p>
+            <a:pPr marL="228600" lvl="1" indent="0">
+              <a:lnSpc>
+                <a:spcPct val="110000"/>
+              </a:lnSpc>
+              <a:buNone/>
+            </a:pPr>
+            <a:r>
+              <a:rPr lang="en-US" sz="1400" dirty="0"/>
+              <a:t>git branch -M main</a:t>
+            </a:r>
+          </a:p>
+          <a:p>
+            <a:pPr marL="228600" lvl="1" indent="0">
+              <a:lnSpc>
+                <a:spcPct val="110000"/>
+              </a:lnSpc>
+              <a:buNone/>
+            </a:pPr>
+            <a:r>
+              <a:rPr lang="en-US" sz="1400" dirty="0"/>
+              <a:t>git remote add origin </a:t>
+            </a:r>
+            <a:r>
+              <a:rPr lang="en-US" sz="1400" dirty="0">
+                <a:hlinkClick r:id="rId2"/>
+              </a:rPr>
+              <a:t>https://github.com/Here</a:t>
+            </a:r>
+            <a:r>
+              <a:rPr lang="en-US" sz="1400" dirty="0"/>
+              <a:t> goes your user/Here the name of your </a:t>
+            </a:r>
+            <a:r>
+              <a:rPr lang="en-US" sz="1400" dirty="0" err="1"/>
+              <a:t>repository.git</a:t>
+            </a:r>
+            <a:endParaRPr lang="en-US" sz="1400" dirty="0"/>
+          </a:p>
+          <a:p>
+            <a:pPr marL="228600" lvl="1" indent="0">
+              <a:lnSpc>
+                <a:spcPct val="110000"/>
+              </a:lnSpc>
+              <a:buNone/>
+            </a:pPr>
+            <a:r>
+              <a:rPr lang="en-US" sz="1400" dirty="0"/>
+              <a:t>git push -u origin main</a:t>
+            </a:r>
+          </a:p>
+          <a:p>
+            <a:pPr marL="228600" lvl="1" indent="0">
+              <a:lnSpc>
+                <a:spcPct val="110000"/>
+              </a:lnSpc>
+              <a:buNone/>
+            </a:pPr>
+            <a:r>
+              <a:rPr lang="en-US" sz="1400" dirty="0"/>
+              <a:t>Once your files are in the repository we go to settings then pages, select “Deploy from a Branch,” scroll down, and select main / root.</a:t>
+            </a:r>
+          </a:p>
+          <a:p>
+            <a:pPr marL="228600" lvl="1" indent="0">
+              <a:lnSpc>
+                <a:spcPct val="110000"/>
+              </a:lnSpc>
+              <a:buNone/>
+            </a:pPr>
+            <a:r>
+              <a:rPr lang="en-US" sz="1400" dirty="0"/>
+              <a:t>Takes a few minutes, and it generates the link to visit our website.</a:t>
+            </a:r>
+          </a:p>
+          <a:p>
+            <a:pPr lvl="1">
+              <a:lnSpc>
+                <a:spcPct val="110000"/>
+              </a:lnSpc>
+            </a:pPr>
+            <a:endParaRPr lang="en-US" sz="1100" dirty="0"/>
+          </a:p>
+          <a:p>
+            <a:pPr>
+              <a:lnSpc>
+                <a:spcPct val="110000"/>
+              </a:lnSpc>
+            </a:pPr>
+            <a:endParaRPr lang="en-US" sz="1100" dirty="0"/>
+          </a:p>
+        </p:txBody>
+      </p:sp>
+      <p:pic>
+        <p:nvPicPr>
+          <p:cNvPr id="4" name="Picture 3">
+            <a:extLst>
+              <a:ext uri="{FF2B5EF4-FFF2-40B4-BE49-F238E27FC236}">
+                <a16:creationId xmlns:a16="http://schemas.microsoft.com/office/drawing/2014/main" id="{B6D37808-4A64-DD62-D490-AF35D150F846}"/>
+              </a:ext>
+            </a:extLst>
+          </p:cNvPr>
+          <p:cNvPicPr>
+            <a:picLocks noChangeAspect="1"/>
+          </p:cNvPicPr>
+          <p:nvPr/>
+        </p:nvPicPr>
+        <p:blipFill>
+          <a:blip r:embed="rId3"/>
+          <a:srcRect l="4186" r="2880"/>
+          <a:stretch/>
+        </p:blipFill>
+        <p:spPr>
+          <a:xfrm>
+            <a:off x="5818632" y="-1"/>
+            <a:ext cx="6373368" cy="6857999"/>
+          </a:xfrm>
+          <a:prstGeom prst="rect">
+            <a:avLst/>
+          </a:prstGeom>
+        </p:spPr>
+      </p:pic>
+    </p:spTree>
+    <p:extLst>
+      <p:ext uri="{BB962C8B-B14F-4D97-AF65-F5344CB8AC3E}">
+        <p14:creationId xmlns:p14="http://schemas.microsoft.com/office/powerpoint/2010/main" val="578934318"/>
+      </p:ext>
+    </p:extLst>
+  </p:cSld>
+  <p:clrMapOvr>
+    <a:masterClrMapping/>
+  </p:clrMapOvr>
+</p:sld>
+</file>
+
+<file path=ppt/slides/slide12.xml><?xml version="1.0" encoding="utf-8"?>
+<p:sld xmlns:a="http://schemas.openxmlformats.org/drawingml/2006/main" xmlns:r="http://schemas.openxmlformats.org/officeDocument/2006/relationships" xmlns:p="http://schemas.openxmlformats.org/presentationml/2006/main">
+  <p:cSld>
+    <p:bg>
+      <p:bgPr>
+        <a:solidFill>
+          <a:schemeClr val="bg1"/>
+        </a:solidFill>
+        <a:effectLst/>
+      </p:bgPr>
+    </p:bg>
+    <p:spTree>
+      <p:nvGrpSpPr>
+        <p:cNvPr id="1" name=""/>
+        <p:cNvGrpSpPr/>
+        <p:nvPr/>
+      </p:nvGrpSpPr>
+      <p:grpSpPr>
+        <a:xfrm>
+          <a:off x="0" y="0"/>
+          <a:ext cx="0" cy="0"/>
+          <a:chOff x="0" y="0"/>
+          <a:chExt cx="0" cy="0"/>
+        </a:xfrm>
+      </p:grpSpPr>
+      <p:sp useBgFill="1">
+        <p:nvSpPr>
+          <p:cNvPr id="1036" name="Rectangle 1035">
+            <a:extLst>
+              <a:ext uri="{FF2B5EF4-FFF2-40B4-BE49-F238E27FC236}">
+                <a16:creationId xmlns:a16="http://schemas.microsoft.com/office/drawing/2014/main" id="{CBB0869A-0BE5-B3E9-F73D-2F3691E4D932}"/>
+              </a:ext>
+              <a:ext uri="{C183D7F6-B498-43B3-948B-1728B52AA6E4}">
+                <adec:decorative xmlns:adec="http://schemas.microsoft.com/office/drawing/2017/decorative" val="1"/>
+              </a:ext>
+            </a:extLst>
+          </p:cNvPr>
+          <p:cNvSpPr>
+            <a:spLocks noGrp="1" noRot="1" noChangeAspect="1" noMove="1" noResize="1" noEditPoints="1" noAdjustHandles="1" noChangeArrowheads="1" noChangeShapeType="1" noTextEdit="1"/>
+          </p:cNvSpPr>
+          <p:nvPr>
+            <p:extLst>
+              <p:ext uri="{386F3935-93C4-4BCD-93E2-E3B085C9AB24}">
+                <p16:designElem xmlns:p16="http://schemas.microsoft.com/office/powerpoint/2015/main" val="1"/>
+              </p:ext>
+            </p:extLst>
+          </p:nvPr>
+        </p:nvSpPr>
+        <p:spPr>
+          <a:xfrm>
+            <a:off x="0" y="0"/>
+            <a:ext cx="12192000" cy="6858000"/>
+          </a:xfrm>
+          <a:prstGeom prst="rect">
+            <a:avLst/>
+          </a:prstGeom>
+          <a:ln w="12700" cap="flat" cmpd="sng" algn="ctr">
+            <a:noFill/>
+            <a:prstDash val="solid"/>
+            <a:miter lim="800000"/>
+          </a:ln>
+          <a:effectLst/>
+          <a:extLst>
+            <a:ext uri="{91240B29-F687-4F45-9708-019B960494DF}">
+              <a14:hiddenLine xmlns:a14="http://schemas.microsoft.com/office/drawing/2010/main" w="12700" cap="flat" cmpd="sng" algn="ctr">
+                <a:solidFill>
+                  <a:schemeClr val="accent1">
+                    <a:shade val="15000"/>
+                  </a:schemeClr>
+                </a:solidFill>
+                <a:prstDash val="solid"/>
+                <a:miter lim="800000"/>
+              </a14:hiddenLine>
+            </a:ext>
+          </a:extLst>
+        </p:spPr>
+        <p:style>
+          <a:lnRef idx="2">
+            <a:schemeClr val="accent1">
+              <a:shade val="15000"/>
+            </a:schemeClr>
+          </a:lnRef>
+          <a:fillRef idx="1">
+            <a:schemeClr val="accent1"/>
+          </a:fillRef>
+          <a:effectRef idx="0">
+            <a:schemeClr val="accent1"/>
+          </a:effectRef>
+          <a:fontRef idx="minor">
+            <a:schemeClr val="lt1"/>
+          </a:fontRef>
+        </p:style>
+        <p:txBody>
+          <a:bodyPr rtlCol="0" anchor="ctr"/>
+          <a:lstStyle/>
+          <a:p>
+            <a:pPr algn="ctr"/>
+            <a:endParaRPr lang="en-US"/>
+          </a:p>
+        </p:txBody>
+      </p:sp>
+      <p:sp>
+        <p:nvSpPr>
+          <p:cNvPr id="2" name="Title 1">
+            <a:extLst>
+              <a:ext uri="{FF2B5EF4-FFF2-40B4-BE49-F238E27FC236}">
+                <a16:creationId xmlns:a16="http://schemas.microsoft.com/office/drawing/2014/main" id="{88E8B7E1-AD00-41FB-BD20-22CC5A5D246B}"/>
+              </a:ext>
+            </a:extLst>
+          </p:cNvPr>
+          <p:cNvSpPr>
+            <a:spLocks noGrp="1"/>
+          </p:cNvSpPr>
+          <p:nvPr>
+            <p:ph type="title"/>
+          </p:nvPr>
+        </p:nvSpPr>
+        <p:spPr>
+          <a:xfrm>
+            <a:off x="662959" y="608826"/>
+            <a:ext cx="4621553" cy="1360728"/>
+          </a:xfrm>
+        </p:spPr>
+        <p:txBody>
+          <a:bodyPr anchor="b">
+            <a:normAutofit/>
+          </a:bodyPr>
+          <a:lstStyle/>
+          <a:p>
+            <a:r>
+              <a:rPr lang="en-US" dirty="0"/>
+              <a:t>Now let’s use Render</a:t>
+            </a:r>
+          </a:p>
+        </p:txBody>
+      </p:sp>
+      <p:sp>
+        <p:nvSpPr>
+          <p:cNvPr id="3" name="Content Placeholder 2">
+            <a:extLst>
+              <a:ext uri="{FF2B5EF4-FFF2-40B4-BE49-F238E27FC236}">
+                <a16:creationId xmlns:a16="http://schemas.microsoft.com/office/drawing/2014/main" id="{D73C9613-700A-2F93-8087-5604D889B75D}"/>
+              </a:ext>
+            </a:extLst>
+          </p:cNvPr>
+          <p:cNvSpPr>
+            <a:spLocks noGrp="1"/>
+          </p:cNvSpPr>
+          <p:nvPr>
+            <p:ph idx="1"/>
+          </p:nvPr>
+        </p:nvSpPr>
+        <p:spPr>
+          <a:xfrm>
+            <a:off x="612648" y="2584058"/>
+            <a:ext cx="4621553" cy="3159018"/>
+          </a:xfrm>
+        </p:spPr>
+        <p:txBody>
+          <a:bodyPr>
+            <a:normAutofit/>
+          </a:bodyPr>
+          <a:lstStyle/>
+          <a:p>
+            <a:r>
+              <a:rPr lang="en-US" sz="1800" dirty="0"/>
+              <a:t>Netlify and </a:t>
+            </a:r>
+            <a:r>
+              <a:rPr lang="en-US" sz="1800" dirty="0" err="1"/>
+              <a:t>Github</a:t>
+            </a:r>
+            <a:r>
+              <a:rPr lang="en-US" sz="1800" dirty="0"/>
+              <a:t> do not support </a:t>
+            </a:r>
+            <a:r>
+              <a:rPr lang="en-US" sz="1800" dirty="0" err="1"/>
+              <a:t>php</a:t>
+            </a:r>
+            <a:r>
+              <a:rPr lang="en-US" sz="1800" dirty="0"/>
+              <a:t>. in case you want to create a project that includes </a:t>
+            </a:r>
+            <a:r>
+              <a:rPr lang="en-US" sz="1800" dirty="0" err="1"/>
+              <a:t>php</a:t>
+            </a:r>
+            <a:r>
+              <a:rPr lang="en-US" sz="1800" dirty="0"/>
+              <a:t> files, you can use Render.com. Remember to create repositories on </a:t>
+            </a:r>
+            <a:r>
+              <a:rPr lang="en-US" sz="1800" dirty="0" err="1"/>
+              <a:t>Github</a:t>
+            </a:r>
+            <a:r>
+              <a:rPr lang="en-US" sz="1800" dirty="0"/>
+              <a:t> to export your project more easily to other platforms.</a:t>
+            </a:r>
+          </a:p>
+        </p:txBody>
+      </p:sp>
+      <p:pic>
+        <p:nvPicPr>
+          <p:cNvPr id="1026" name="Picture 2" descr="Render Secures $80M Series C Funding to Bring The Next Billion Applications  Online">
+            <a:extLst>
+              <a:ext uri="{FF2B5EF4-FFF2-40B4-BE49-F238E27FC236}">
+                <a16:creationId xmlns:a16="http://schemas.microsoft.com/office/drawing/2014/main" id="{19436117-6D4B-9A24-EB42-1202D8D9DA6E}"/>
+              </a:ext>
+            </a:extLst>
+          </p:cNvPr>
+          <p:cNvPicPr>
+            <a:picLocks noChangeAspect="1" noChangeArrowheads="1"/>
+          </p:cNvPicPr>
+          <p:nvPr/>
+        </p:nvPicPr>
+        <p:blipFill>
+          <a:blip r:embed="rId2">
+            <a:extLst>
+              <a:ext uri="{28A0092B-C50C-407E-A947-70E740481C1C}">
+                <a14:useLocalDpi xmlns:a14="http://schemas.microsoft.com/office/drawing/2010/main" val="0"/>
+              </a:ext>
+            </a:extLst>
+          </a:blip>
+          <a:stretch>
+            <a:fillRect/>
+          </a:stretch>
+        </p:blipFill>
+        <p:spPr bwMode="auto">
+          <a:xfrm>
+            <a:off x="5691261" y="1969554"/>
+            <a:ext cx="5837780" cy="2918890"/>
+          </a:xfrm>
+          <a:prstGeom prst="rect">
+            <a:avLst/>
+          </a:prstGeom>
+          <a:noFill/>
+          <a:extLst>
+            <a:ext uri="{909E8E84-426E-40DD-AFC4-6F175D3DCCD1}">
+              <a14:hiddenFill xmlns:a14="http://schemas.microsoft.com/office/drawing/2010/main">
+                <a:solidFill>
+                  <a:srgbClr val="FFFFFF"/>
+                </a:solidFill>
+              </a14:hiddenFill>
+            </a:ext>
+          </a:extLst>
+        </p:spPr>
+      </p:pic>
+    </p:spTree>
+    <p:extLst>
+      <p:ext uri="{BB962C8B-B14F-4D97-AF65-F5344CB8AC3E}">
+        <p14:creationId xmlns:p14="http://schemas.microsoft.com/office/powerpoint/2010/main" val="1182772365"/>
+      </p:ext>
+    </p:extLst>
+  </p:cSld>
+  <p:clrMapOvr>
+    <a:masterClrMapping/>
+  </p:clrMapOvr>
+</p:sld>
+</file>
+
+<file path=ppt/slides/slide13.xml><?xml version="1.0" encoding="utf-8"?>
 <p:sld xmlns:a="http://schemas.openxmlformats.org/drawingml/2006/main" xmlns:r="http://schemas.openxmlformats.org/officeDocument/2006/relationships" xmlns:p="http://schemas.openxmlformats.org/presentationml/2006/main">
   <p:cSld>
     <p:spTree>
